--- a/0MLS1/重启通知.pptx
+++ b/0MLS1/重启通知.pptx
@@ -273,7 +273,7 @@
           <a:p>
             <a:fld id="{20F20C01-3D7F-4D0F-9D9C-5864010F2325}" type="datetimeFigureOut">
               <a:rPr lang="zh-CN" altLang="en-US" smtClean="0"/>
-              <a:t>2024/7/25</a:t>
+              <a:t>2024/7/29</a:t>
             </a:fld>
             <a:endParaRPr lang="zh-CN" altLang="en-US"/>
           </a:p>
@@ -471,7 +471,7 @@
           <a:p>
             <a:fld id="{20F20C01-3D7F-4D0F-9D9C-5864010F2325}" type="datetimeFigureOut">
               <a:rPr lang="zh-CN" altLang="en-US" smtClean="0"/>
-              <a:t>2024/7/25</a:t>
+              <a:t>2024/7/29</a:t>
             </a:fld>
             <a:endParaRPr lang="zh-CN" altLang="en-US"/>
           </a:p>
@@ -679,7 +679,7 @@
           <a:p>
             <a:fld id="{20F20C01-3D7F-4D0F-9D9C-5864010F2325}" type="datetimeFigureOut">
               <a:rPr lang="zh-CN" altLang="en-US" smtClean="0"/>
-              <a:t>2024/7/25</a:t>
+              <a:t>2024/7/29</a:t>
             </a:fld>
             <a:endParaRPr lang="zh-CN" altLang="en-US"/>
           </a:p>
@@ -877,7 +877,7 @@
           <a:p>
             <a:fld id="{20F20C01-3D7F-4D0F-9D9C-5864010F2325}" type="datetimeFigureOut">
               <a:rPr lang="zh-CN" altLang="en-US" smtClean="0"/>
-              <a:t>2024/7/25</a:t>
+              <a:t>2024/7/29</a:t>
             </a:fld>
             <a:endParaRPr lang="zh-CN" altLang="en-US"/>
           </a:p>
@@ -1152,7 +1152,7 @@
           <a:p>
             <a:fld id="{20F20C01-3D7F-4D0F-9D9C-5864010F2325}" type="datetimeFigureOut">
               <a:rPr lang="zh-CN" altLang="en-US" smtClean="0"/>
-              <a:t>2024/7/25</a:t>
+              <a:t>2024/7/29</a:t>
             </a:fld>
             <a:endParaRPr lang="zh-CN" altLang="en-US"/>
           </a:p>
@@ -1417,7 +1417,7 @@
           <a:p>
             <a:fld id="{20F20C01-3D7F-4D0F-9D9C-5864010F2325}" type="datetimeFigureOut">
               <a:rPr lang="zh-CN" altLang="en-US" smtClean="0"/>
-              <a:t>2024/7/25</a:t>
+              <a:t>2024/7/29</a:t>
             </a:fld>
             <a:endParaRPr lang="zh-CN" altLang="en-US"/>
           </a:p>
@@ -1829,7 +1829,7 @@
           <a:p>
             <a:fld id="{20F20C01-3D7F-4D0F-9D9C-5864010F2325}" type="datetimeFigureOut">
               <a:rPr lang="zh-CN" altLang="en-US" smtClean="0"/>
-              <a:t>2024/7/25</a:t>
+              <a:t>2024/7/29</a:t>
             </a:fld>
             <a:endParaRPr lang="zh-CN" altLang="en-US"/>
           </a:p>
@@ -1970,7 +1970,7 @@
           <a:p>
             <a:fld id="{20F20C01-3D7F-4D0F-9D9C-5864010F2325}" type="datetimeFigureOut">
               <a:rPr lang="zh-CN" altLang="en-US" smtClean="0"/>
-              <a:t>2024/7/25</a:t>
+              <a:t>2024/7/29</a:t>
             </a:fld>
             <a:endParaRPr lang="zh-CN" altLang="en-US"/>
           </a:p>
@@ -2083,7 +2083,7 @@
           <a:p>
             <a:fld id="{20F20C01-3D7F-4D0F-9D9C-5864010F2325}" type="datetimeFigureOut">
               <a:rPr lang="zh-CN" altLang="en-US" smtClean="0"/>
-              <a:t>2024/7/25</a:t>
+              <a:t>2024/7/29</a:t>
             </a:fld>
             <a:endParaRPr lang="zh-CN" altLang="en-US"/>
           </a:p>
@@ -2394,7 +2394,7 @@
           <a:p>
             <a:fld id="{20F20C01-3D7F-4D0F-9D9C-5864010F2325}" type="datetimeFigureOut">
               <a:rPr lang="zh-CN" altLang="en-US" smtClean="0"/>
-              <a:t>2024/7/25</a:t>
+              <a:t>2024/7/29</a:t>
             </a:fld>
             <a:endParaRPr lang="zh-CN" altLang="en-US"/>
           </a:p>
@@ -2682,7 +2682,7 @@
           <a:p>
             <a:fld id="{20F20C01-3D7F-4D0F-9D9C-5864010F2325}" type="datetimeFigureOut">
               <a:rPr lang="zh-CN" altLang="en-US" smtClean="0"/>
-              <a:t>2024/7/25</a:t>
+              <a:t>2024/7/29</a:t>
             </a:fld>
             <a:endParaRPr lang="zh-CN" altLang="en-US"/>
           </a:p>
@@ -2926,7 +2926,7 @@
           <a:p>
             <a:fld id="{20F20C01-3D7F-4D0F-9D9C-5864010F2325}" type="datetimeFigureOut">
               <a:rPr lang="zh-CN" altLang="en-US" smtClean="0"/>
-              <a:t>2024/7/25</a:t>
+              <a:t>2024/7/29</a:t>
             </a:fld>
             <a:endParaRPr lang="zh-CN" altLang="en-US"/>
           </a:p>
@@ -3431,13 +3431,13 @@
   <p:clrMapOvr>
     <a:masterClrMapping/>
   </p:clrMapOvr>
-  <mc:AlternateContent xmlns:mc="http://schemas.openxmlformats.org/markup-compatibility/2006">
-    <mc:Choice xmlns:p14="http://schemas.microsoft.com/office/powerpoint/2010/main" Requires="p14">
+  <mc:AlternateContent xmlns:mc="http://schemas.openxmlformats.org/markup-compatibility/2006" xmlns:p14="http://schemas.microsoft.com/office/powerpoint/2010/main">
+    <mc:Choice Requires="p14">
       <p:transition spd="slow" p14:dur="1300" advClick="0" advTm="5000">
         <p14:pan dir="u"/>
       </p:transition>
     </mc:Choice>
-    <mc:Fallback>
+    <mc:Fallback xmlns="">
       <p:transition spd="slow" advClick="0" advTm="5000">
         <p:fade/>
       </p:transition>
@@ -3578,7 +3578,47 @@
                 <a:latin typeface="思源宋体" panose="02020400000000000000" pitchFamily="18" charset="-122"/>
                 <a:ea typeface="思源宋体" panose="02020400000000000000" pitchFamily="18" charset="-122"/>
               </a:rPr>
-              <a:t>欢迎大家报名，我会组织粉丝预选赛的！</a:t>
+              <a:t>欢迎大家报名（</a:t>
+            </a:r>
+            <a:r>
+              <a:rPr lang="en-US" altLang="zh-CN" dirty="0">
+                <a:solidFill>
+                  <a:schemeClr val="bg1"/>
+                </a:solidFill>
+                <a:latin typeface="思源宋体" panose="02020400000000000000" pitchFamily="18" charset="-122"/>
+                <a:ea typeface="思源宋体" panose="02020400000000000000" pitchFamily="18" charset="-122"/>
+              </a:rPr>
+              <a:t>8</a:t>
+            </a:r>
+            <a:r>
+              <a:rPr lang="zh-CN" altLang="en-US" dirty="0">
+                <a:solidFill>
+                  <a:schemeClr val="bg1"/>
+                </a:solidFill>
+                <a:latin typeface="思源宋体" panose="02020400000000000000" pitchFamily="18" charset="-122"/>
+                <a:ea typeface="思源宋体" panose="02020400000000000000" pitchFamily="18" charset="-122"/>
+              </a:rPr>
+              <a:t>月</a:t>
+            </a:r>
+            <a:r>
+              <a:rPr lang="en-US" altLang="zh-CN" dirty="0">
+                <a:solidFill>
+                  <a:schemeClr val="bg1"/>
+                </a:solidFill>
+                <a:latin typeface="思源宋体" panose="02020400000000000000" pitchFamily="18" charset="-122"/>
+                <a:ea typeface="思源宋体" panose="02020400000000000000" pitchFamily="18" charset="-122"/>
+              </a:rPr>
+              <a:t>10</a:t>
+            </a:r>
+            <a:r>
+              <a:rPr lang="zh-CN" altLang="en-US" dirty="0">
+                <a:solidFill>
+                  <a:schemeClr val="bg1"/>
+                </a:solidFill>
+                <a:latin typeface="思源宋体" panose="02020400000000000000" pitchFamily="18" charset="-122"/>
+                <a:ea typeface="思源宋体" panose="02020400000000000000" pitchFamily="18" charset="-122"/>
+              </a:rPr>
+              <a:t>日截止），我会组织粉丝预选赛的！</a:t>
             </a:r>
             <a:endParaRPr lang="en-US" altLang="zh-CN" dirty="0">
               <a:solidFill>
@@ -3713,13 +3753,13 @@
   <p:clrMapOvr>
     <a:masterClrMapping/>
   </p:clrMapOvr>
-  <mc:AlternateContent xmlns:mc="http://schemas.openxmlformats.org/markup-compatibility/2006">
-    <mc:Choice xmlns:p14="http://schemas.microsoft.com/office/powerpoint/2010/main" Requires="p14">
+  <mc:AlternateContent xmlns:mc="http://schemas.openxmlformats.org/markup-compatibility/2006" xmlns:p14="http://schemas.microsoft.com/office/powerpoint/2010/main">
+    <mc:Choice Requires="p14">
       <p:transition spd="slow" p14:dur="1300" advClick="0" advTm="5000">
         <p14:pan dir="u"/>
       </p:transition>
     </mc:Choice>
-    <mc:Fallback>
+    <mc:Fallback xmlns="">
       <p:transition spd="slow" advClick="0" advTm="5000">
         <p:fade/>
       </p:transition>
@@ -3972,13 +4012,13 @@
   <p:clrMapOvr>
     <a:masterClrMapping/>
   </p:clrMapOvr>
-  <mc:AlternateContent xmlns:mc="http://schemas.openxmlformats.org/markup-compatibility/2006">
-    <mc:Choice xmlns:p14="http://schemas.microsoft.com/office/powerpoint/2010/main" Requires="p14">
+  <mc:AlternateContent xmlns:mc="http://schemas.openxmlformats.org/markup-compatibility/2006" xmlns:p14="http://schemas.microsoft.com/office/powerpoint/2010/main">
+    <mc:Choice Requires="p14">
       <p:transition spd="slow" p14:dur="1300" advClick="0" advTm="5000">
         <p14:pan dir="u"/>
       </p:transition>
     </mc:Choice>
-    <mc:Fallback>
+    <mc:Fallback xmlns="">
       <p:transition spd="slow" advClick="0" advTm="5000">
         <p:fade/>
       </p:transition>
@@ -4183,13 +4223,13 @@
   <p:clrMapOvr>
     <a:masterClrMapping/>
   </p:clrMapOvr>
-  <mc:AlternateContent xmlns:mc="http://schemas.openxmlformats.org/markup-compatibility/2006">
-    <mc:Choice xmlns:p14="http://schemas.microsoft.com/office/powerpoint/2010/main" Requires="p14">
+  <mc:AlternateContent xmlns:mc="http://schemas.openxmlformats.org/markup-compatibility/2006" xmlns:p14="http://schemas.microsoft.com/office/powerpoint/2010/main">
+    <mc:Choice Requires="p14">
       <p:transition spd="slow" p14:dur="1300" advClick="0" advTm="5000">
         <p14:pan dir="u"/>
       </p:transition>
     </mc:Choice>
-    <mc:Fallback>
+    <mc:Fallback xmlns="">
       <p:transition spd="slow" advClick="0" advTm="5000">
         <p:fade/>
       </p:transition>
@@ -4315,13 +4355,13 @@
   <p:clrMapOvr>
     <a:masterClrMapping/>
   </p:clrMapOvr>
-  <mc:AlternateContent xmlns:mc="http://schemas.openxmlformats.org/markup-compatibility/2006">
-    <mc:Choice xmlns:p14="http://schemas.microsoft.com/office/powerpoint/2010/main" Requires="p14">
+  <mc:AlternateContent xmlns:mc="http://schemas.openxmlformats.org/markup-compatibility/2006" xmlns:p14="http://schemas.microsoft.com/office/powerpoint/2010/main">
+    <mc:Choice Requires="p14">
       <p:transition spd="slow" p14:dur="1300" advClick="0" advTm="5000">
         <p14:pan dir="u"/>
       </p:transition>
     </mc:Choice>
-    <mc:Fallback>
+    <mc:Fallback xmlns="">
       <p:transition spd="slow" advClick="0" advTm="5000">
         <p:fade/>
       </p:transition>
@@ -4548,13 +4588,13 @@
   <p:clrMapOvr>
     <a:masterClrMapping/>
   </p:clrMapOvr>
-  <mc:AlternateContent xmlns:mc="http://schemas.openxmlformats.org/markup-compatibility/2006">
-    <mc:Choice xmlns:p14="http://schemas.microsoft.com/office/powerpoint/2010/main" Requires="p14">
+  <mc:AlternateContent xmlns:mc="http://schemas.openxmlformats.org/markup-compatibility/2006" xmlns:p14="http://schemas.microsoft.com/office/powerpoint/2010/main">
+    <mc:Choice Requires="p14">
       <p:transition spd="slow" p14:dur="1300" advClick="0" advTm="5000">
         <p14:pan dir="u"/>
       </p:transition>
     </mc:Choice>
-    <mc:Fallback>
+    <mc:Fallback xmlns="">
       <p:transition spd="slow" advClick="0" advTm="5000">
         <p:fade/>
       </p:transition>
@@ -4658,13 +4698,13 @@
   <p:clrMapOvr>
     <a:masterClrMapping/>
   </p:clrMapOvr>
-  <mc:AlternateContent xmlns:mc="http://schemas.openxmlformats.org/markup-compatibility/2006">
-    <mc:Choice xmlns:p14="http://schemas.microsoft.com/office/powerpoint/2010/main" Requires="p14">
+  <mc:AlternateContent xmlns:mc="http://schemas.openxmlformats.org/markup-compatibility/2006" xmlns:p14="http://schemas.microsoft.com/office/powerpoint/2010/main">
+    <mc:Choice Requires="p14">
       <p:transition spd="slow" p14:dur="1300" advClick="0" advTm="5000">
         <p14:pan dir="u"/>
       </p:transition>
     </mc:Choice>
-    <mc:Fallback>
+    <mc:Fallback xmlns="">
       <p:transition spd="slow" advClick="0" advTm="5000">
         <p:fade/>
       </p:transition>
@@ -4823,13 +4863,13 @@
   <p:clrMapOvr>
     <a:masterClrMapping/>
   </p:clrMapOvr>
-  <mc:AlternateContent xmlns:mc="http://schemas.openxmlformats.org/markup-compatibility/2006">
-    <mc:Choice xmlns:p14="http://schemas.microsoft.com/office/powerpoint/2010/main" Requires="p14">
+  <mc:AlternateContent xmlns:mc="http://schemas.openxmlformats.org/markup-compatibility/2006" xmlns:p14="http://schemas.microsoft.com/office/powerpoint/2010/main">
+    <mc:Choice Requires="p14">
       <p:transition spd="slow" p14:dur="1300" advClick="0" advTm="5000">
         <p14:pan dir="u"/>
       </p:transition>
     </mc:Choice>
-    <mc:Fallback>
+    <mc:Fallback xmlns="">
       <p:transition spd="slow" advClick="0" advTm="5000">
         <p:fade/>
       </p:transition>
@@ -4935,13 +4975,13 @@
   <p:clrMapOvr>
     <a:masterClrMapping/>
   </p:clrMapOvr>
-  <mc:AlternateContent xmlns:mc="http://schemas.openxmlformats.org/markup-compatibility/2006">
-    <mc:Choice xmlns:p14="http://schemas.microsoft.com/office/powerpoint/2010/main" Requires="p14">
+  <mc:AlternateContent xmlns:mc="http://schemas.openxmlformats.org/markup-compatibility/2006" xmlns:p14="http://schemas.microsoft.com/office/powerpoint/2010/main">
+    <mc:Choice Requires="p14">
       <p:transition spd="slow" p14:dur="1300" advClick="0" advTm="5000">
         <p14:pan dir="u"/>
       </p:transition>
     </mc:Choice>
-    <mc:Fallback>
+    <mc:Fallback xmlns="">
       <p:transition spd="slow" advClick="0" advTm="5000">
         <p:fade/>
       </p:transition>
@@ -5450,13 +5490,13 @@
   <p:clrMapOvr>
     <a:masterClrMapping/>
   </p:clrMapOvr>
-  <mc:AlternateContent xmlns:mc="http://schemas.openxmlformats.org/markup-compatibility/2006">
-    <mc:Choice xmlns:p14="http://schemas.microsoft.com/office/powerpoint/2010/main" Requires="p14">
+  <mc:AlternateContent xmlns:mc="http://schemas.openxmlformats.org/markup-compatibility/2006" xmlns:p14="http://schemas.microsoft.com/office/powerpoint/2010/main">
+    <mc:Choice Requires="p14">
       <p:transition spd="slow" p14:dur="1300" advClick="0" advTm="5000">
         <p14:pan dir="u"/>
       </p:transition>
     </mc:Choice>
-    <mc:Fallback>
+    <mc:Fallback xmlns="">
       <p:transition spd="slow" advClick="0" advTm="5000">
         <p:fade/>
       </p:transition>
@@ -6066,13 +6106,13 @@
   <p:clrMapOvr>
     <a:masterClrMapping/>
   </p:clrMapOvr>
-  <mc:AlternateContent xmlns:mc="http://schemas.openxmlformats.org/markup-compatibility/2006">
-    <mc:Choice xmlns:p14="http://schemas.microsoft.com/office/powerpoint/2010/main" Requires="p14">
+  <mc:AlternateContent xmlns:mc="http://schemas.openxmlformats.org/markup-compatibility/2006" xmlns:p14="http://schemas.microsoft.com/office/powerpoint/2010/main">
+    <mc:Choice Requires="p14">
       <p:transition spd="slow" p14:dur="1300" advClick="0" advTm="5000">
         <p14:pan dir="u"/>
       </p:transition>
     </mc:Choice>
-    <mc:Fallback>
+    <mc:Fallback xmlns="">
       <p:transition spd="slow" advClick="0" advTm="5000">
         <p:fade/>
       </p:transition>
@@ -7177,13 +7217,13 @@
   <p:clrMapOvr>
     <a:masterClrMapping/>
   </p:clrMapOvr>
-  <mc:AlternateContent xmlns:mc="http://schemas.openxmlformats.org/markup-compatibility/2006">
-    <mc:Choice xmlns:p14="http://schemas.microsoft.com/office/powerpoint/2010/main" Requires="p14">
+  <mc:AlternateContent xmlns:mc="http://schemas.openxmlformats.org/markup-compatibility/2006" xmlns:p14="http://schemas.microsoft.com/office/powerpoint/2010/main">
+    <mc:Choice Requires="p14">
       <p:transition spd="slow" p14:dur="1300" advClick="0" advTm="10000">
         <p14:pan dir="u"/>
       </p:transition>
     </mc:Choice>
-    <mc:Fallback>
+    <mc:Fallback xmlns="">
       <p:transition spd="slow" advClick="0" advTm="10000">
         <p:fade/>
       </p:transition>
@@ -8514,13 +8554,13 @@
   <p:clrMapOvr>
     <a:masterClrMapping/>
   </p:clrMapOvr>
-  <mc:AlternateContent xmlns:mc="http://schemas.openxmlformats.org/markup-compatibility/2006">
-    <mc:Choice xmlns:p14="http://schemas.microsoft.com/office/powerpoint/2010/main" Requires="p14">
+  <mc:AlternateContent xmlns:mc="http://schemas.openxmlformats.org/markup-compatibility/2006" xmlns:p14="http://schemas.microsoft.com/office/powerpoint/2010/main">
+    <mc:Choice Requires="p14">
       <p:transition spd="slow" p14:dur="1300" advClick="0" advTm="10000">
         <p14:pan dir="u"/>
       </p:transition>
     </mc:Choice>
-    <mc:Fallback>
+    <mc:Fallback xmlns="">
       <p:transition spd="slow" advClick="0" advTm="10000">
         <p:fade/>
       </p:transition>
@@ -10181,13 +10221,13 @@
   <p:clrMapOvr>
     <a:masterClrMapping/>
   </p:clrMapOvr>
-  <mc:AlternateContent xmlns:mc="http://schemas.openxmlformats.org/markup-compatibility/2006">
-    <mc:Choice xmlns:p14="http://schemas.microsoft.com/office/powerpoint/2010/main" Requires="p14">
+  <mc:AlternateContent xmlns:mc="http://schemas.openxmlformats.org/markup-compatibility/2006" xmlns:p14="http://schemas.microsoft.com/office/powerpoint/2010/main">
+    <mc:Choice Requires="p14">
       <p:transition spd="slow" p14:dur="1300" advClick="0" advTm="10000">
         <p14:pan dir="u"/>
       </p:transition>
     </mc:Choice>
-    <mc:Fallback>
+    <mc:Fallback xmlns="">
       <p:transition spd="slow" advClick="0" advTm="10000">
         <p:fade/>
       </p:transition>
@@ -10358,13 +10398,13 @@
   <p:clrMapOvr>
     <a:masterClrMapping/>
   </p:clrMapOvr>
-  <mc:AlternateContent xmlns:mc="http://schemas.openxmlformats.org/markup-compatibility/2006">
-    <mc:Choice xmlns:p14="http://schemas.microsoft.com/office/powerpoint/2010/main" Requires="p14">
+  <mc:AlternateContent xmlns:mc="http://schemas.openxmlformats.org/markup-compatibility/2006" xmlns:p14="http://schemas.microsoft.com/office/powerpoint/2010/main">
+    <mc:Choice Requires="p14">
       <p:transition spd="slow" p14:dur="1300" advClick="0" advTm="5000">
         <p14:pan dir="u"/>
       </p:transition>
     </mc:Choice>
-    <mc:Fallback>
+    <mc:Fallback xmlns="">
       <p:transition spd="slow" advClick="0" advTm="5000">
         <p:fade/>
       </p:transition>
